--- a/module5/5-slides.pptx
+++ b/module5/5-slides.pptx
@@ -5403,7 +5403,7 @@
           <a:p>
             <a:fld id="{1160EA64-D806-43AC-9DF2-F8C432F32B4C}" type="datetimeFigureOut">
               <a:rPr lang="en-US" smtClean="0"/>
-              <a:t>10/4/22</a:t>
+              <a:t>3/6/2023</a:t>
             </a:fld>
             <a:endParaRPr lang="en-US" dirty="0"/>
           </a:p>
@@ -5582,7 +5582,7 @@
           <a:p>
             <a:fld id="{E9F9C37B-1D36-470B-8223-D6C91242EC14}" type="datetimeFigureOut">
               <a:rPr lang="en-US" smtClean="0"/>
-              <a:t>10/4/22</a:t>
+              <a:t>3/6/2023</a:t>
             </a:fld>
             <a:endParaRPr lang="en-US" dirty="0"/>
           </a:p>
@@ -5763,7 +5763,7 @@
           <a:p>
             <a:fld id="{67C6F52A-A82B-47A2-A83A-8C4C91F2D59F}" type="datetimeFigureOut">
               <a:rPr lang="en-US" smtClean="0"/>
-              <a:t>10/4/22</a:t>
+              <a:t>3/6/2023</a:t>
             </a:fld>
             <a:endParaRPr lang="en-US" dirty="0"/>
           </a:p>
@@ -6169,7 +6169,7 @@
           <a:p>
             <a:fld id="{1D8BD707-D9CF-40AE-B4C6-C98DA3205C09}" type="datetimeFigureOut">
               <a:rPr lang="en-US"/>
-              <a:t>10/4/22</a:t>
+              <a:t>3/6/2023</a:t>
             </a:fld>
             <a:endParaRPr lang="en-US"/>
           </a:p>
@@ -6329,7 +6329,7 @@
           <a:p>
             <a:fld id="{F070A7B3-6521-4DCA-87E5-044747A908C1}" type="datetimeFigureOut">
               <a:rPr lang="en-US" smtClean="0"/>
-              <a:t>10/4/22</a:t>
+              <a:t>3/6/2023</a:t>
             </a:fld>
             <a:endParaRPr lang="en-US" dirty="0"/>
           </a:p>
@@ -6652,7 +6652,7 @@
           <a:p>
             <a:fld id="{1160EA64-D806-43AC-9DF2-F8C432F32B4C}" type="datetimeFigureOut">
               <a:rPr lang="en-US" smtClean="0"/>
-              <a:t>10/4/22</a:t>
+              <a:t>3/6/2023</a:t>
             </a:fld>
             <a:endParaRPr lang="en-US" dirty="0"/>
           </a:p>
@@ -7114,7 +7114,7 @@
           <a:p>
             <a:fld id="{AB134690-1557-4C89-A502-4959FE7FAD70}" type="datetimeFigureOut">
               <a:rPr lang="en-US" smtClean="0"/>
-              <a:t>10/4/22</a:t>
+              <a:t>3/6/2023</a:t>
             </a:fld>
             <a:endParaRPr lang="en-US" dirty="0"/>
           </a:p>
@@ -7526,7 +7526,7 @@
           <a:p>
             <a:fld id="{1160EA64-D806-43AC-9DF2-F8C432F32B4C}" type="datetimeFigureOut">
               <a:rPr lang="en-US" smtClean="0"/>
-              <a:t>10/4/22</a:t>
+              <a:t>3/6/2023</a:t>
             </a:fld>
             <a:endParaRPr lang="en-US" dirty="0"/>
           </a:p>
@@ -7646,7 +7646,7 @@
           <a:p>
             <a:fld id="{E1037C31-9E7A-4F99-8774-A0E530DE1A42}" type="datetimeFigureOut">
               <a:rPr lang="en-US" smtClean="0"/>
-              <a:t>10/4/22</a:t>
+              <a:t>3/6/2023</a:t>
             </a:fld>
             <a:endParaRPr lang="en-US" dirty="0"/>
           </a:p>
@@ -7764,7 +7764,7 @@
           <a:p>
             <a:fld id="{C278504F-A551-4DE0-9316-4DCD1D8CC752}" type="datetimeFigureOut">
               <a:rPr lang="en-US" smtClean="0"/>
-              <a:t>10/4/22</a:t>
+              <a:t>3/6/2023</a:t>
             </a:fld>
             <a:endParaRPr lang="en-US" dirty="0"/>
           </a:p>
@@ -8123,7 +8123,7 @@
           <a:p>
             <a:fld id="{D1BE4249-C0D0-4B06-8692-E8BB871AF643}" type="datetimeFigureOut">
               <a:rPr lang="en-US" smtClean="0"/>
-              <a:t>10/4/22</a:t>
+              <a:t>3/6/2023</a:t>
             </a:fld>
             <a:endParaRPr lang="en-US" dirty="0"/>
           </a:p>
@@ -8631,7 +8631,7 @@
           <a:p>
             <a:fld id="{042B0DB6-F5C7-45FB-8CF3-31B45F9C2DAC}" type="datetimeFigureOut">
               <a:rPr lang="en-US" smtClean="0"/>
-              <a:t>10/4/22</a:t>
+              <a:t>3/6/2023</a:t>
             </a:fld>
             <a:endParaRPr lang="en-US" dirty="0"/>
           </a:p>
@@ -8987,7 +8987,7 @@
           <a:p>
             <a:fld id="{1160EA64-D806-43AC-9DF2-F8C432F32B4C}" type="datetimeFigureOut">
               <a:rPr lang="en-US" smtClean="0"/>
-              <a:t>10/4/22</a:t>
+              <a:t>3/6/2023</a:t>
             </a:fld>
             <a:endParaRPr lang="en-US" dirty="0"/>
           </a:p>
@@ -11984,7 +11984,7 @@
                 <a:latin typeface="Rockwell" panose="02060603020205020403" pitchFamily="18" charset="77"/>
                 <a:cs typeface="Arial"/>
               </a:rPr>
-              <a:t> array,</a:t>
+              <a:t> array</a:t>
             </a:r>
             <a:endParaRPr sz="2400" dirty="0">
               <a:latin typeface="Rockwell" panose="02060603020205020403" pitchFamily="18" charset="77"/>
@@ -13969,7 +13969,23 @@
                   <a:schemeClr val="tx1"/>
                 </a:solidFill>
               </a:rPr>
-              <a:t>Storing the results of a iteration</a:t>
+              <a:t>Storing the results of </a:t>
+            </a:r>
+            <a:r>
+              <a:rPr lang="en-US" dirty="0" err="1">
+                <a:solidFill>
+                  <a:schemeClr val="tx1"/>
+                </a:solidFill>
+              </a:rPr>
+              <a:t>aN</a:t>
+            </a:r>
+            <a:r>
+              <a:rPr lang="en-US" dirty="0">
+                <a:solidFill>
+                  <a:schemeClr val="tx1"/>
+                </a:solidFill>
+              </a:rPr>
+              <a:t> iteration</a:t>
             </a:r>
           </a:p>
         </p:txBody>
@@ -16244,7 +16260,18 @@
                   </a:schemeClr>
                 </a:solidFill>
               </a:rPr>
-              <a:t>What to stimulate</a:t>
+              <a:t>What </a:t>
+            </a:r>
+            <a:r>
+              <a:rPr lang="en-US" sz="1800" b="1">
+                <a:solidFill>
+                  <a:schemeClr val="tx1">
+                    <a:lumMod val="75000"/>
+                    <a:lumOff val="25000"/>
+                  </a:schemeClr>
+                </a:solidFill>
+              </a:rPr>
+              <a:t>to simulate</a:t>
             </a:r>
             <a:r>
               <a:rPr lang="en-US" sz="1800" dirty="0">

--- a/module5/5-slides.pptx
+++ b/module5/5-slides.pptx
@@ -5403,7 +5403,7 @@
           <a:p>
             <a:fld id="{1160EA64-D806-43AC-9DF2-F8C432F32B4C}" type="datetimeFigureOut">
               <a:rPr lang="en-US" smtClean="0"/>
-              <a:t>3/6/2023</a:t>
+              <a:t>3/10/2023</a:t>
             </a:fld>
             <a:endParaRPr lang="en-US" dirty="0"/>
           </a:p>
@@ -5582,7 +5582,7 @@
           <a:p>
             <a:fld id="{E9F9C37B-1D36-470B-8223-D6C91242EC14}" type="datetimeFigureOut">
               <a:rPr lang="en-US" smtClean="0"/>
-              <a:t>3/6/2023</a:t>
+              <a:t>3/10/2023</a:t>
             </a:fld>
             <a:endParaRPr lang="en-US" dirty="0"/>
           </a:p>
@@ -5763,7 +5763,7 @@
           <a:p>
             <a:fld id="{67C6F52A-A82B-47A2-A83A-8C4C91F2D59F}" type="datetimeFigureOut">
               <a:rPr lang="en-US" smtClean="0"/>
-              <a:t>3/6/2023</a:t>
+              <a:t>3/10/2023</a:t>
             </a:fld>
             <a:endParaRPr lang="en-US" dirty="0"/>
           </a:p>
@@ -6169,7 +6169,7 @@
           <a:p>
             <a:fld id="{1D8BD707-D9CF-40AE-B4C6-C98DA3205C09}" type="datetimeFigureOut">
               <a:rPr lang="en-US"/>
-              <a:t>3/6/2023</a:t>
+              <a:t>3/10/2023</a:t>
             </a:fld>
             <a:endParaRPr lang="en-US"/>
           </a:p>
@@ -6329,7 +6329,7 @@
           <a:p>
             <a:fld id="{F070A7B3-6521-4DCA-87E5-044747A908C1}" type="datetimeFigureOut">
               <a:rPr lang="en-US" smtClean="0"/>
-              <a:t>3/6/2023</a:t>
+              <a:t>3/10/2023</a:t>
             </a:fld>
             <a:endParaRPr lang="en-US" dirty="0"/>
           </a:p>
@@ -6652,7 +6652,7 @@
           <a:p>
             <a:fld id="{1160EA64-D806-43AC-9DF2-F8C432F32B4C}" type="datetimeFigureOut">
               <a:rPr lang="en-US" smtClean="0"/>
-              <a:t>3/6/2023</a:t>
+              <a:t>3/10/2023</a:t>
             </a:fld>
             <a:endParaRPr lang="en-US" dirty="0"/>
           </a:p>
@@ -7114,7 +7114,7 @@
           <a:p>
             <a:fld id="{AB134690-1557-4C89-A502-4959FE7FAD70}" type="datetimeFigureOut">
               <a:rPr lang="en-US" smtClean="0"/>
-              <a:t>3/6/2023</a:t>
+              <a:t>3/10/2023</a:t>
             </a:fld>
             <a:endParaRPr lang="en-US" dirty="0"/>
           </a:p>
@@ -7526,7 +7526,7 @@
           <a:p>
             <a:fld id="{1160EA64-D806-43AC-9DF2-F8C432F32B4C}" type="datetimeFigureOut">
               <a:rPr lang="en-US" smtClean="0"/>
-              <a:t>3/6/2023</a:t>
+              <a:t>3/10/2023</a:t>
             </a:fld>
             <a:endParaRPr lang="en-US" dirty="0"/>
           </a:p>
@@ -7646,7 +7646,7 @@
           <a:p>
             <a:fld id="{E1037C31-9E7A-4F99-8774-A0E530DE1A42}" type="datetimeFigureOut">
               <a:rPr lang="en-US" smtClean="0"/>
-              <a:t>3/6/2023</a:t>
+              <a:t>3/10/2023</a:t>
             </a:fld>
             <a:endParaRPr lang="en-US" dirty="0"/>
           </a:p>
@@ -7764,7 +7764,7 @@
           <a:p>
             <a:fld id="{C278504F-A551-4DE0-9316-4DCD1D8CC752}" type="datetimeFigureOut">
               <a:rPr lang="en-US" smtClean="0"/>
-              <a:t>3/6/2023</a:t>
+              <a:t>3/10/2023</a:t>
             </a:fld>
             <a:endParaRPr lang="en-US" dirty="0"/>
           </a:p>
@@ -8123,7 +8123,7 @@
           <a:p>
             <a:fld id="{D1BE4249-C0D0-4B06-8692-E8BB871AF643}" type="datetimeFigureOut">
               <a:rPr lang="en-US" smtClean="0"/>
-              <a:t>3/6/2023</a:t>
+              <a:t>3/10/2023</a:t>
             </a:fld>
             <a:endParaRPr lang="en-US" dirty="0"/>
           </a:p>
@@ -8631,7 +8631,7 @@
           <a:p>
             <a:fld id="{042B0DB6-F5C7-45FB-8CF3-31B45F9C2DAC}" type="datetimeFigureOut">
               <a:rPr lang="en-US" smtClean="0"/>
-              <a:t>3/6/2023</a:t>
+              <a:t>3/10/2023</a:t>
             </a:fld>
             <a:endParaRPr lang="en-US" dirty="0"/>
           </a:p>
@@ -8987,7 +8987,7 @@
           <a:p>
             <a:fld id="{1160EA64-D806-43AC-9DF2-F8C432F32B4C}" type="datetimeFigureOut">
               <a:rPr lang="en-US" smtClean="0"/>
-              <a:t>3/6/2023</a:t>
+              <a:t>3/10/2023</a:t>
             </a:fld>
             <a:endParaRPr lang="en-US" dirty="0"/>
           </a:p>
@@ -32364,8 +32364,25 @@
                 <a:latin typeface="Rockwell" panose="02060603020205020403" pitchFamily="18" charset="77"/>
                 <a:cs typeface="Arial"/>
               </a:rPr>
-              <a:t>Consists of all the observed values of the statistic,</a:t>
-            </a:r>
+              <a:t>Consists of all the observed values of </a:t>
+            </a:r>
+            <a:r>
+              <a:rPr sz="2000">
+                <a:solidFill>
+                  <a:srgbClr val="3B3B3B"/>
+                </a:solidFill>
+                <a:latin typeface="Rockwell" panose="02060603020205020403" pitchFamily="18" charset="77"/>
+                <a:cs typeface="Arial"/>
+              </a:rPr>
+              <a:t>the statistic</a:t>
+            </a:r>
+            <a:endParaRPr sz="2000" dirty="0">
+              <a:solidFill>
+                <a:srgbClr val="3B3B3B"/>
+              </a:solidFill>
+              <a:latin typeface="Rockwell" panose="02060603020205020403" pitchFamily="18" charset="77"/>
+              <a:cs typeface="Arial"/>
+            </a:endParaRPr>
           </a:p>
           <a:p>
             <a:pPr marL="882015" lvl="1" indent="-412750">
